--- a/PHP-Presentation.pptx
+++ b/PHP-Presentation.pptx
@@ -14,7 +14,8 @@
     <p:sldId id="262" r:id="rId8"/>
     <p:sldId id="263" r:id="rId9"/>
     <p:sldId id="264" r:id="rId10"/>
-    <p:sldId id="265" r:id="rId11"/>
+    <p:sldId id="267" r:id="rId11"/>
+    <p:sldId id="265" r:id="rId12"/>
   </p:sldIdLst>
   <p:sldSz cx="12192000" cy="6858000"/>
   <p:notesSz cx="6858000" cy="9144000"/>
@@ -7810,17 +7811,12 @@
               <a:rPr lang="en-US" dirty="0" smtClean="0"/>
               <a:t> </a:t>
             </a:r>
-            <a:endParaRPr lang="en-US" dirty="0" smtClean="0"/>
           </a:p>
           <a:p>
             <a:pPr algn="ctr"/>
             <a:r>
               <a:rPr lang="en-US" sz="1600" dirty="0" smtClean="0"/>
-              <a:t>Fall </a:t>
-            </a:r>
-            <a:r>
-              <a:rPr lang="en-US" sz="1600" dirty="0" smtClean="0"/>
-              <a:t>2017</a:t>
+              <a:t>Fall 2017</a:t>
             </a:r>
             <a:endParaRPr lang="en-US" sz="1600" dirty="0"/>
           </a:p>
@@ -7948,6 +7944,93 @@
 </file>
 
 <file path=ppt/slides/slide10.xml><?xml version="1.0" encoding="utf-8"?>
+<p:sld xmlns:a="http://schemas.openxmlformats.org/drawingml/2006/main" xmlns:r="http://schemas.openxmlformats.org/officeDocument/2006/relationships" xmlns:p="http://schemas.openxmlformats.org/presentationml/2006/main">
+  <p:cSld>
+    <p:spTree>
+      <p:nvGrpSpPr>
+        <p:cNvPr id="1" name=""/>
+        <p:cNvGrpSpPr/>
+        <p:nvPr/>
+      </p:nvGrpSpPr>
+      <p:grpSpPr>
+        <a:xfrm>
+          <a:off x="0" y="0"/>
+          <a:ext cx="0" cy="0"/>
+          <a:chOff x="0" y="0"/>
+          <a:chExt cx="0" cy="0"/>
+        </a:xfrm>
+      </p:grpSpPr>
+      <p:sp>
+        <p:nvSpPr>
+          <p:cNvPr id="2" name="Title 1"/>
+          <p:cNvSpPr>
+            <a:spLocks noGrp="1"/>
+          </p:cNvSpPr>
+          <p:nvPr>
+            <p:ph type="title"/>
+          </p:nvPr>
+        </p:nvSpPr>
+        <p:spPr/>
+        <p:txBody>
+          <a:bodyPr/>
+          <a:lstStyle/>
+          <a:p>
+            <a:r>
+              <a:rPr lang="en-CA" dirty="0" err="1" smtClean="0"/>
+              <a:t>Refrences</a:t>
+            </a:r>
+            <a:endParaRPr lang="en-CA" dirty="0"/>
+          </a:p>
+        </p:txBody>
+      </p:sp>
+      <p:sp>
+        <p:nvSpPr>
+          <p:cNvPr id="3" name="Content Placeholder 2"/>
+          <p:cNvSpPr>
+            <a:spLocks noGrp="1"/>
+          </p:cNvSpPr>
+          <p:nvPr>
+            <p:ph idx="1"/>
+          </p:nvPr>
+        </p:nvSpPr>
+        <p:spPr/>
+        <p:txBody>
+          <a:bodyPr/>
+          <a:lstStyle/>
+          <a:p>
+            <a:r>
+              <a:rPr lang="en-CA" dirty="0">
+                <a:hlinkClick r:id="rId2"/>
+              </a:rPr>
+              <a:t>https://docs.slimframework.com</a:t>
+            </a:r>
+            <a:r>
+              <a:rPr lang="en-CA" dirty="0" smtClean="0">
+                <a:hlinkClick r:id="rId2"/>
+              </a:rPr>
+              <a:t>/</a:t>
+            </a:r>
+            <a:endParaRPr lang="en-CA" dirty="0" smtClean="0"/>
+          </a:p>
+          <a:p>
+            <a:endParaRPr lang="en-CA" dirty="0"/>
+          </a:p>
+        </p:txBody>
+      </p:sp>
+    </p:spTree>
+    <p:extLst>
+      <p:ext uri="{BB962C8B-B14F-4D97-AF65-F5344CB8AC3E}">
+        <p14:creationId xmlns:p14="http://schemas.microsoft.com/office/powerpoint/2010/main" val="4112446509"/>
+      </p:ext>
+    </p:extLst>
+  </p:cSld>
+  <p:clrMapOvr>
+    <a:masterClrMapping/>
+  </p:clrMapOvr>
+</p:sld>
+</file>
+
+<file path=ppt/slides/slide11.xml><?xml version="1.0" encoding="utf-8"?>
 <p:sld xmlns:a="http://schemas.openxmlformats.org/drawingml/2006/main" xmlns:r="http://schemas.openxmlformats.org/officeDocument/2006/relationships" xmlns:p="http://schemas.openxmlformats.org/presentationml/2006/main">
   <p:cSld>
     <p:spTree>
@@ -8522,25 +8605,32 @@
           </a:p>
         </p:txBody>
       </p:sp>
-      <p:sp>
-        <p:nvSpPr>
-          <p:cNvPr id="3" name="Content Placeholder 2"/>
-          <p:cNvSpPr>
-            <a:spLocks noGrp="1"/>
-          </p:cNvSpPr>
+      <p:pic>
+        <p:nvPicPr>
+          <p:cNvPr id="4" name="Content Placeholder 3"/>
+          <p:cNvPicPr>
+            <a:picLocks noGrp="1" noChangeAspect="1"/>
+          </p:cNvPicPr>
           <p:nvPr>
             <p:ph idx="1"/>
           </p:nvPr>
-        </p:nvSpPr>
-        <p:spPr/>
-        <p:txBody>
-          <a:bodyPr/>
-          <a:lstStyle/>
-          <a:p>
-            <a:endParaRPr lang="en-US"/>
-          </a:p>
-        </p:txBody>
-      </p:sp>
+        </p:nvPicPr>
+        <p:blipFill>
+          <a:blip r:embed="rId2"/>
+          <a:stretch>
+            <a:fillRect/>
+          </a:stretch>
+        </p:blipFill>
+        <p:spPr>
+          <a:xfrm>
+            <a:off x="2589213" y="3605159"/>
+            <a:ext cx="8915400" cy="1124496"/>
+          </a:xfrm>
+          <a:prstGeom prst="rect">
+            <a:avLst/>
+          </a:prstGeom>
+        </p:spPr>
+      </p:pic>
     </p:spTree>
     <p:extLst>
       <p:ext uri="{BB962C8B-B14F-4D97-AF65-F5344CB8AC3E}">

--- a/PHP-Presentation.pptx
+++ b/PHP-Presentation.pptx
@@ -11,11 +11,8 @@
     <p:sldId id="259" r:id="rId5"/>
     <p:sldId id="260" r:id="rId6"/>
     <p:sldId id="261" r:id="rId7"/>
-    <p:sldId id="262" r:id="rId8"/>
-    <p:sldId id="263" r:id="rId9"/>
-    <p:sldId id="264" r:id="rId10"/>
-    <p:sldId id="267" r:id="rId11"/>
-    <p:sldId id="265" r:id="rId12"/>
+    <p:sldId id="264" r:id="rId8"/>
+    <p:sldId id="265" r:id="rId9"/>
   </p:sldIdLst>
   <p:sldSz cx="12192000" cy="6858000"/>
   <p:notesSz cx="6858000" cy="9144000"/>
@@ -322,7 +319,7 @@
             <a:fld id="{930D3CF7-49A3-40F1-BD80-236EF29BEA74}" type="datetimeFigureOut">
               <a:rPr lang="en-US" smtClean="0"/>
               <a:pPr/>
-              <a:t>11/15/2017</a:t>
+              <a:t>11/18/2017</a:t>
             </a:fld>
             <a:endParaRPr lang="en-US"/>
           </a:p>
@@ -662,7 +659,7 @@
             <a:fld id="{930D3CF7-49A3-40F1-BD80-236EF29BEA74}" type="datetimeFigureOut">
               <a:rPr lang="en-US" smtClean="0"/>
               <a:pPr/>
-              <a:t>11/15/2017</a:t>
+              <a:t>11/18/2017</a:t>
             </a:fld>
             <a:endParaRPr lang="en-US"/>
           </a:p>
@@ -1065,7 +1062,7 @@
             <a:fld id="{930D3CF7-49A3-40F1-BD80-236EF29BEA74}" type="datetimeFigureOut">
               <a:rPr lang="en-US" smtClean="0"/>
               <a:pPr/>
-              <a:t>11/15/2017</a:t>
+              <a:t>11/18/2017</a:t>
             </a:fld>
             <a:endParaRPr lang="en-US"/>
           </a:p>
@@ -1403,7 +1400,7 @@
             <a:fld id="{930D3CF7-49A3-40F1-BD80-236EF29BEA74}" type="datetimeFigureOut">
               <a:rPr lang="en-US" smtClean="0"/>
               <a:pPr/>
-              <a:t>11/15/2017</a:t>
+              <a:t>11/18/2017</a:t>
             </a:fld>
             <a:endParaRPr lang="en-US"/>
           </a:p>
@@ -1725,7 +1722,7 @@
             <a:fld id="{930D3CF7-49A3-40F1-BD80-236EF29BEA74}" type="datetimeFigureOut">
               <a:rPr lang="en-US" smtClean="0"/>
               <a:pPr/>
-              <a:t>11/15/2017</a:t>
+              <a:t>11/18/2017</a:t>
             </a:fld>
             <a:endParaRPr lang="en-US"/>
           </a:p>
@@ -2123,7 +2120,7 @@
             <a:fld id="{930D3CF7-49A3-40F1-BD80-236EF29BEA74}" type="datetimeFigureOut">
               <a:rPr lang="en-US" smtClean="0"/>
               <a:pPr/>
-              <a:t>11/15/2017</a:t>
+              <a:t>11/18/2017</a:t>
             </a:fld>
             <a:endParaRPr lang="en-US"/>
           </a:p>
@@ -2382,7 +2379,7 @@
             <a:fld id="{930D3CF7-49A3-40F1-BD80-236EF29BEA74}" type="datetimeFigureOut">
               <a:rPr lang="en-US" smtClean="0"/>
               <a:pPr/>
-              <a:t>11/15/2017</a:t>
+              <a:t>11/18/2017</a:t>
             </a:fld>
             <a:endParaRPr lang="en-US"/>
           </a:p>
@@ -2646,7 +2643,7 @@
             <a:fld id="{930D3CF7-49A3-40F1-BD80-236EF29BEA74}" type="datetimeFigureOut">
               <a:rPr lang="en-US" smtClean="0"/>
               <a:pPr/>
-              <a:t>11/15/2017</a:t>
+              <a:t>11/18/2017</a:t>
             </a:fld>
             <a:endParaRPr lang="en-US"/>
           </a:p>
@@ -2910,7 +2907,7 @@
             <a:fld id="{930D3CF7-49A3-40F1-BD80-236EF29BEA74}" type="datetimeFigureOut">
               <a:rPr lang="en-US" smtClean="0"/>
               <a:pPr/>
-              <a:t>11/15/2017</a:t>
+              <a:t>11/18/2017</a:t>
             </a:fld>
             <a:endParaRPr lang="en-US"/>
           </a:p>
@@ -3241,7 +3238,7 @@
             <a:fld id="{930D3CF7-49A3-40F1-BD80-236EF29BEA74}" type="datetimeFigureOut">
               <a:rPr lang="en-US" smtClean="0"/>
               <a:pPr/>
-              <a:t>11/15/2017</a:t>
+              <a:t>11/18/2017</a:t>
             </a:fld>
             <a:endParaRPr lang="en-US"/>
           </a:p>
@@ -3566,7 +3563,7 @@
             <a:fld id="{930D3CF7-49A3-40F1-BD80-236EF29BEA74}" type="datetimeFigureOut">
               <a:rPr lang="en-US" smtClean="0"/>
               <a:pPr/>
-              <a:t>11/15/2017</a:t>
+              <a:t>11/18/2017</a:t>
             </a:fld>
             <a:endParaRPr lang="en-US"/>
           </a:p>
@@ -4025,7 +4022,7 @@
             <a:fld id="{930D3CF7-49A3-40F1-BD80-236EF29BEA74}" type="datetimeFigureOut">
               <a:rPr lang="en-US" smtClean="0"/>
               <a:pPr/>
-              <a:t>11/15/2017</a:t>
+              <a:t>11/18/2017</a:t>
             </a:fld>
             <a:endParaRPr lang="en-US"/>
           </a:p>
@@ -4232,7 +4229,7 @@
             <a:fld id="{930D3CF7-49A3-40F1-BD80-236EF29BEA74}" type="datetimeFigureOut">
               <a:rPr lang="en-US" smtClean="0"/>
               <a:pPr/>
-              <a:t>11/15/2017</a:t>
+              <a:t>11/18/2017</a:t>
             </a:fld>
             <a:endParaRPr lang="en-US"/>
           </a:p>
@@ -4411,7 +4408,7 @@
             <a:fld id="{930D3CF7-49A3-40F1-BD80-236EF29BEA74}" type="datetimeFigureOut">
               <a:rPr lang="en-US" smtClean="0"/>
               <a:pPr/>
-              <a:t>11/15/2017</a:t>
+              <a:t>11/18/2017</a:t>
             </a:fld>
             <a:endParaRPr lang="en-US"/>
           </a:p>
@@ -4746,7 +4743,7 @@
             <a:fld id="{930D3CF7-49A3-40F1-BD80-236EF29BEA74}" type="datetimeFigureOut">
               <a:rPr lang="en-US" smtClean="0"/>
               <a:pPr/>
-              <a:t>11/15/2017</a:t>
+              <a:t>11/18/2017</a:t>
             </a:fld>
             <a:endParaRPr lang="en-US"/>
           </a:p>
@@ -5093,7 +5090,7 @@
             <a:fld id="{930D3CF7-49A3-40F1-BD80-236EF29BEA74}" type="datetimeFigureOut">
               <a:rPr lang="en-US" smtClean="0"/>
               <a:pPr/>
-              <a:t>11/15/2017</a:t>
+              <a:t>11/18/2017</a:t>
             </a:fld>
             <a:endParaRPr lang="en-US"/>
           </a:p>
@@ -7212,7 +7209,7 @@
             <a:fld id="{930D3CF7-49A3-40F1-BD80-236EF29BEA74}" type="datetimeFigureOut">
               <a:rPr lang="en-US" smtClean="0"/>
               <a:pPr/>
-              <a:t>11/15/2017</a:t>
+              <a:t>11/18/2017</a:t>
             </a:fld>
             <a:endParaRPr lang="en-US"/>
           </a:p>
@@ -7943,176 +7940,6 @@
 </p:sld>
 </file>
 
-<file path=ppt/slides/slide10.xml><?xml version="1.0" encoding="utf-8"?>
-<p:sld xmlns:a="http://schemas.openxmlformats.org/drawingml/2006/main" xmlns:r="http://schemas.openxmlformats.org/officeDocument/2006/relationships" xmlns:p="http://schemas.openxmlformats.org/presentationml/2006/main">
-  <p:cSld>
-    <p:spTree>
-      <p:nvGrpSpPr>
-        <p:cNvPr id="1" name=""/>
-        <p:cNvGrpSpPr/>
-        <p:nvPr/>
-      </p:nvGrpSpPr>
-      <p:grpSpPr>
-        <a:xfrm>
-          <a:off x="0" y="0"/>
-          <a:ext cx="0" cy="0"/>
-          <a:chOff x="0" y="0"/>
-          <a:chExt cx="0" cy="0"/>
-        </a:xfrm>
-      </p:grpSpPr>
-      <p:sp>
-        <p:nvSpPr>
-          <p:cNvPr id="2" name="Title 1"/>
-          <p:cNvSpPr>
-            <a:spLocks noGrp="1"/>
-          </p:cNvSpPr>
-          <p:nvPr>
-            <p:ph type="title"/>
-          </p:nvPr>
-        </p:nvSpPr>
-        <p:spPr/>
-        <p:txBody>
-          <a:bodyPr/>
-          <a:lstStyle/>
-          <a:p>
-            <a:r>
-              <a:rPr lang="en-CA" dirty="0" err="1" smtClean="0"/>
-              <a:t>Refrences</a:t>
-            </a:r>
-            <a:endParaRPr lang="en-CA" dirty="0"/>
-          </a:p>
-        </p:txBody>
-      </p:sp>
-      <p:sp>
-        <p:nvSpPr>
-          <p:cNvPr id="3" name="Content Placeholder 2"/>
-          <p:cNvSpPr>
-            <a:spLocks noGrp="1"/>
-          </p:cNvSpPr>
-          <p:nvPr>
-            <p:ph idx="1"/>
-          </p:nvPr>
-        </p:nvSpPr>
-        <p:spPr/>
-        <p:txBody>
-          <a:bodyPr/>
-          <a:lstStyle/>
-          <a:p>
-            <a:r>
-              <a:rPr lang="en-CA" dirty="0">
-                <a:hlinkClick r:id="rId2"/>
-              </a:rPr>
-              <a:t>https://docs.slimframework.com</a:t>
-            </a:r>
-            <a:r>
-              <a:rPr lang="en-CA" dirty="0" smtClean="0">
-                <a:hlinkClick r:id="rId2"/>
-              </a:rPr>
-              <a:t>/</a:t>
-            </a:r>
-            <a:endParaRPr lang="en-CA" dirty="0" smtClean="0"/>
-          </a:p>
-          <a:p>
-            <a:endParaRPr lang="en-CA" dirty="0"/>
-          </a:p>
-        </p:txBody>
-      </p:sp>
-    </p:spTree>
-    <p:extLst>
-      <p:ext uri="{BB962C8B-B14F-4D97-AF65-F5344CB8AC3E}">
-        <p14:creationId xmlns:p14="http://schemas.microsoft.com/office/powerpoint/2010/main" val="4112446509"/>
-      </p:ext>
-    </p:extLst>
-  </p:cSld>
-  <p:clrMapOvr>
-    <a:masterClrMapping/>
-  </p:clrMapOvr>
-</p:sld>
-</file>
-
-<file path=ppt/slides/slide11.xml><?xml version="1.0" encoding="utf-8"?>
-<p:sld xmlns:a="http://schemas.openxmlformats.org/drawingml/2006/main" xmlns:r="http://schemas.openxmlformats.org/officeDocument/2006/relationships" xmlns:p="http://schemas.openxmlformats.org/presentationml/2006/main">
-  <p:cSld>
-    <p:spTree>
-      <p:nvGrpSpPr>
-        <p:cNvPr id="1" name=""/>
-        <p:cNvGrpSpPr/>
-        <p:nvPr/>
-      </p:nvGrpSpPr>
-      <p:grpSpPr>
-        <a:xfrm>
-          <a:off x="0" y="0"/>
-          <a:ext cx="0" cy="0"/>
-          <a:chOff x="0" y="0"/>
-          <a:chExt cx="0" cy="0"/>
-        </a:xfrm>
-      </p:grpSpPr>
-      <p:sp>
-        <p:nvSpPr>
-          <p:cNvPr id="2" name="Title 1"/>
-          <p:cNvSpPr>
-            <a:spLocks noGrp="1"/>
-          </p:cNvSpPr>
-          <p:nvPr>
-            <p:ph type="title"/>
-          </p:nvPr>
-        </p:nvSpPr>
-        <p:spPr/>
-        <p:txBody>
-          <a:bodyPr/>
-          <a:lstStyle/>
-          <a:p>
-            <a:pPr algn="ctr"/>
-            <a:r>
-              <a:rPr lang="en-US" b="1" dirty="0" smtClean="0"/>
-              <a:t>Thanks</a:t>
-            </a:r>
-            <a:endParaRPr lang="en-US" b="1" dirty="0"/>
-          </a:p>
-        </p:txBody>
-      </p:sp>
-      <p:pic>
-        <p:nvPicPr>
-          <p:cNvPr id="4" name="Content Placeholder 3"/>
-          <p:cNvPicPr>
-            <a:picLocks noGrp="1" noChangeAspect="1"/>
-          </p:cNvPicPr>
-          <p:nvPr>
-            <p:ph idx="1"/>
-          </p:nvPr>
-        </p:nvPicPr>
-        <p:blipFill>
-          <a:blip r:embed="rId2" cstate="print">
-            <a:extLst>
-              <a:ext uri="{28A0092B-C50C-407E-A947-70E740481C1C}">
-                <a14:useLocalDpi xmlns:a14="http://schemas.microsoft.com/office/drawing/2010/main" val="0"/>
-              </a:ext>
-            </a:extLst>
-          </a:blip>
-          <a:stretch>
-            <a:fillRect/>
-          </a:stretch>
-        </p:blipFill>
-        <p:spPr>
-          <a:xfrm>
-            <a:off x="4246323" y="2593975"/>
-            <a:ext cx="4108537" cy="2857500"/>
-          </a:xfrm>
-        </p:spPr>
-      </p:pic>
-    </p:spTree>
-    <p:extLst>
-      <p:ext uri="{BB962C8B-B14F-4D97-AF65-F5344CB8AC3E}">
-        <p14:creationId xmlns:p14="http://schemas.microsoft.com/office/powerpoint/2010/main" val="2784108446"/>
-      </p:ext>
-    </p:extLst>
-  </p:cSld>
-  <p:clrMapOvr>
-    <a:masterClrMapping/>
-  </p:clrMapOvr>
-</p:sld>
-</file>
-
 <file path=ppt/slides/slide2.xml><?xml version="1.0" encoding="utf-8"?>
 <p:sld xmlns:a="http://schemas.openxmlformats.org/drawingml/2006/main" xmlns:r="http://schemas.openxmlformats.org/officeDocument/2006/relationships" xmlns:p="http://schemas.openxmlformats.org/presentationml/2006/main">
   <p:cSld>
@@ -8294,32 +8121,25 @@
           </a:p>
         </p:txBody>
       </p:sp>
-      <p:pic>
-        <p:nvPicPr>
-          <p:cNvPr id="5" name="Content Placeholder 3"/>
-          <p:cNvPicPr>
-            <a:picLocks noGrp="1" noChangeAspect="1"/>
-          </p:cNvPicPr>
+      <p:sp>
+        <p:nvSpPr>
+          <p:cNvPr id="3" name="Content Placeholder 2"/>
+          <p:cNvSpPr>
+            <a:spLocks noGrp="1"/>
+          </p:cNvSpPr>
           <p:nvPr>
             <p:ph idx="1"/>
           </p:nvPr>
-        </p:nvPicPr>
-        <p:blipFill>
-          <a:blip r:embed="rId2"/>
-          <a:stretch>
-            <a:fillRect/>
-          </a:stretch>
-        </p:blipFill>
-        <p:spPr>
-          <a:xfrm>
-            <a:off x="2518525" y="1529542"/>
-            <a:ext cx="2784995" cy="1504603"/>
-          </a:xfrm>
-          <a:prstGeom prst="rect">
-            <a:avLst/>
-          </a:prstGeom>
-        </p:spPr>
-      </p:pic>
+        </p:nvSpPr>
+        <p:spPr/>
+        <p:txBody>
+          <a:bodyPr/>
+          <a:lstStyle/>
+          <a:p>
+            <a:endParaRPr lang="en-CA" dirty="0"/>
+          </a:p>
+        </p:txBody>
+      </p:sp>
     </p:spTree>
   </p:cSld>
   <p:clrMapOvr>
@@ -8355,7 +8175,12 @@
             <p:ph type="title"/>
           </p:nvPr>
         </p:nvSpPr>
-        <p:spPr/>
+        <p:spPr>
+          <a:xfrm>
+            <a:off x="2592925" y="624110"/>
+            <a:ext cx="7234247" cy="1120607"/>
+          </a:xfrm>
+        </p:spPr>
         <p:txBody>
           <a:bodyPr/>
           <a:lstStyle/>
@@ -8370,7 +8195,7 @@
       </p:sp>
       <p:pic>
         <p:nvPicPr>
-          <p:cNvPr id="5" name="Picture 4"/>
+          <p:cNvPr id="3" name="Picture 2"/>
           <p:cNvPicPr>
             <a:picLocks noChangeAspect="1"/>
           </p:cNvPicPr>
@@ -8384,8 +8209,8 @@
         </p:blipFill>
         <p:spPr>
           <a:xfrm>
-            <a:off x="2302625" y="1726456"/>
-            <a:ext cx="8059103" cy="5131544"/>
+            <a:off x="2113587" y="1524000"/>
+            <a:ext cx="8522881" cy="5133811"/>
           </a:xfrm>
           <a:prstGeom prst="rect">
             <a:avLst/>
@@ -8432,9 +8257,16 @@
             <p:ph type="title"/>
           </p:nvPr>
         </p:nvSpPr>
-        <p:spPr/>
-        <p:txBody>
-          <a:bodyPr/>
+        <p:spPr>
+          <a:xfrm>
+            <a:off x="427795" y="124811"/>
+            <a:ext cx="2840922" cy="742235"/>
+          </a:xfrm>
+        </p:spPr>
+        <p:txBody>
+          <a:bodyPr>
+            <a:normAutofit/>
+          </a:bodyPr>
           <a:lstStyle/>
           <a:p>
             <a:r>
@@ -8447,7 +8279,7 @@
       </p:sp>
       <p:pic>
         <p:nvPicPr>
-          <p:cNvPr id="6" name="Content Placeholder 5"/>
+          <p:cNvPr id="5" name="Content Placeholder 4"/>
           <p:cNvPicPr>
             <a:picLocks noGrp="1" noChangeAspect="1"/>
           </p:cNvPicPr>
@@ -8463,8 +8295,8 @@
         </p:blipFill>
         <p:spPr>
           <a:xfrm>
-            <a:off x="5682833" y="2612023"/>
-            <a:ext cx="5136427" cy="2538383"/>
+            <a:off x="4555450" y="358982"/>
+            <a:ext cx="7387975" cy="3233873"/>
           </a:xfrm>
           <a:prstGeom prst="rect">
             <a:avLst/>
@@ -8473,7 +8305,7 @@
       </p:pic>
       <p:pic>
         <p:nvPicPr>
-          <p:cNvPr id="7" name="Picture 6"/>
+          <p:cNvPr id="4" name="Picture 3"/>
           <p:cNvPicPr>
             <a:picLocks noChangeAspect="1"/>
           </p:cNvPicPr>
@@ -8487,50 +8319,17 @@
         </p:blipFill>
         <p:spPr>
           <a:xfrm>
-            <a:off x="1442431" y="1905000"/>
-            <a:ext cx="2905125" cy="1581150"/>
+            <a:off x="4975864" y="3752193"/>
+            <a:ext cx="6330462" cy="2669627"/>
           </a:xfrm>
           <a:prstGeom prst="rect">
             <a:avLst/>
           </a:prstGeom>
         </p:spPr>
       </p:pic>
-      <p:cxnSp>
-        <p:nvCxnSpPr>
-          <p:cNvPr id="9" name="Elbow Connector 8"/>
-          <p:cNvCxnSpPr/>
-          <p:nvPr/>
-        </p:nvCxnSpPr>
-        <p:spPr>
-          <a:xfrm>
-            <a:off x="3998422" y="2612023"/>
-            <a:ext cx="1696634" cy="1456862"/>
-          </a:xfrm>
-          <a:prstGeom prst="bentConnector3">
-            <a:avLst/>
-          </a:prstGeom>
-          <a:ln>
-            <a:tailEnd type="triangle"/>
-          </a:ln>
-        </p:spPr>
-        <p:style>
-          <a:lnRef idx="1">
-            <a:schemeClr val="accent1"/>
-          </a:lnRef>
-          <a:fillRef idx="0">
-            <a:schemeClr val="accent1"/>
-          </a:fillRef>
-          <a:effectRef idx="0">
-            <a:schemeClr val="accent1"/>
-          </a:effectRef>
-          <a:fontRef idx="minor">
-            <a:schemeClr val="tx1"/>
-          </a:fontRef>
-        </p:style>
-      </p:cxnSp>
       <p:pic>
         <p:nvPicPr>
-          <p:cNvPr id="15" name="Picture 14"/>
+          <p:cNvPr id="10" name="Picture 9"/>
           <p:cNvPicPr>
             <a:picLocks noChangeAspect="1"/>
           </p:cNvPicPr>
@@ -8544,8 +8343,8 @@
         </p:blipFill>
         <p:spPr>
           <a:xfrm>
-            <a:off x="1656423" y="4256116"/>
-            <a:ext cx="3550375" cy="2108488"/>
+            <a:off x="202525" y="867045"/>
+            <a:ext cx="4400893" cy="1928707"/>
           </a:xfrm>
           <a:prstGeom prst="rect">
             <a:avLst/>
@@ -8592,7 +8391,12 @@
             <p:ph type="title"/>
           </p:nvPr>
         </p:nvSpPr>
-        <p:spPr/>
+        <p:spPr>
+          <a:xfrm>
+            <a:off x="294290" y="0"/>
+            <a:ext cx="2774731" cy="681037"/>
+          </a:xfrm>
+        </p:spPr>
         <p:txBody>
           <a:bodyPr/>
           <a:lstStyle/>
@@ -8607,13 +8411,11 @@
       </p:sp>
       <p:pic>
         <p:nvPicPr>
-          <p:cNvPr id="4" name="Content Placeholder 3"/>
+          <p:cNvPr id="6" name="Picture 5"/>
           <p:cNvPicPr>
-            <a:picLocks noGrp="1" noChangeAspect="1"/>
+            <a:picLocks noChangeAspect="1"/>
           </p:cNvPicPr>
-          <p:nvPr>
-            <p:ph idx="1"/>
-          </p:nvPr>
+          <p:nvPr/>
         </p:nvPicPr>
         <p:blipFill>
           <a:blip r:embed="rId2"/>
@@ -8623,8 +8425,56 @@
         </p:blipFill>
         <p:spPr>
           <a:xfrm>
-            <a:off x="2589213" y="3605159"/>
-            <a:ext cx="8915400" cy="1124496"/>
+            <a:off x="3846786" y="681037"/>
+            <a:ext cx="8345214" cy="2524618"/>
+          </a:xfrm>
+          <a:prstGeom prst="rect">
+            <a:avLst/>
+          </a:prstGeom>
+        </p:spPr>
+      </p:pic>
+      <p:pic>
+        <p:nvPicPr>
+          <p:cNvPr id="7" name="Picture 6"/>
+          <p:cNvPicPr>
+            <a:picLocks noChangeAspect="1"/>
+          </p:cNvPicPr>
+          <p:nvPr/>
+        </p:nvPicPr>
+        <p:blipFill>
+          <a:blip r:embed="rId3"/>
+          <a:stretch>
+            <a:fillRect/>
+          </a:stretch>
+        </p:blipFill>
+        <p:spPr>
+          <a:xfrm>
+            <a:off x="3720333" y="3205655"/>
+            <a:ext cx="8324850" cy="3562350"/>
+          </a:xfrm>
+          <a:prstGeom prst="rect">
+            <a:avLst/>
+          </a:prstGeom>
+        </p:spPr>
+      </p:pic>
+      <p:pic>
+        <p:nvPicPr>
+          <p:cNvPr id="8" name="Picture 7"/>
+          <p:cNvPicPr>
+            <a:picLocks noChangeAspect="1"/>
+          </p:cNvPicPr>
+          <p:nvPr/>
+        </p:nvPicPr>
+        <p:blipFill>
+          <a:blip r:embed="rId4"/>
+          <a:stretch>
+            <a:fillRect/>
+          </a:stretch>
+        </p:blipFill>
+        <p:spPr>
+          <a:xfrm>
+            <a:off x="672662" y="986823"/>
+            <a:ext cx="3426043" cy="5645205"/>
           </a:xfrm>
           <a:prstGeom prst="rect">
             <a:avLst/>
@@ -8678,7 +8528,7 @@
           <a:p>
             <a:r>
               <a:rPr lang="en-US" dirty="0" smtClean="0"/>
-              <a:t>challenges</a:t>
+              <a:t>Futures </a:t>
             </a:r>
             <a:endParaRPr lang="en-US" dirty="0"/>
           </a:p>
@@ -8699,14 +8549,44 @@
           <a:bodyPr/>
           <a:lstStyle/>
           <a:p>
-            <a:endParaRPr lang="en-US"/>
+            <a:r>
+              <a:rPr lang="en-US" sz="2000" b="1" dirty="0" smtClean="0"/>
+              <a:t>Delete in share list</a:t>
+            </a:r>
+            <a:endParaRPr lang="en-US" sz="2000" b="1" dirty="0" smtClean="0"/>
+          </a:p>
+          <a:p>
+            <a:r>
+              <a:rPr lang="en-US" sz="2000" b="1" dirty="0" smtClean="0"/>
+              <a:t>Add some error checking in some parts</a:t>
+            </a:r>
+            <a:endParaRPr lang="en-US" sz="2000" b="1" dirty="0" smtClean="0"/>
+          </a:p>
+          <a:p>
+            <a:r>
+              <a:rPr lang="en-US" b="1" dirty="0" smtClean="0"/>
+              <a:t>Add log in face book</a:t>
+            </a:r>
+            <a:endParaRPr lang="en-US" b="1" dirty="0" smtClean="0"/>
+          </a:p>
+          <a:p>
+            <a:pPr>
+              <a:buNone/>
+            </a:pPr>
+            <a:endParaRPr lang="en-US" dirty="0" smtClean="0"/>
+          </a:p>
+          <a:p>
+            <a:endParaRPr lang="en-US" dirty="0" smtClean="0"/>
+          </a:p>
+          <a:p>
+            <a:endParaRPr lang="en-US" dirty="0"/>
           </a:p>
         </p:txBody>
       </p:sp>
     </p:spTree>
     <p:extLst>
       <p:ext uri="{BB962C8B-B14F-4D97-AF65-F5344CB8AC3E}">
-        <p14:creationId xmlns:p14="http://schemas.microsoft.com/office/powerpoint/2010/main" val="2409900537"/>
+        <p14:creationId xmlns:p14="http://schemas.microsoft.com/office/powerpoint/2010/main" val="272585998"/>
       </p:ext>
     </p:extLst>
   </p:cSld>
@@ -8748,144 +8628,48 @@
           <a:bodyPr/>
           <a:lstStyle/>
           <a:p>
-            <a:r>
-              <a:rPr lang="en-US" dirty="0" smtClean="0"/>
-              <a:t>challenges</a:t>
-            </a:r>
-            <a:endParaRPr lang="en-US" dirty="0"/>
-          </a:p>
-        </p:txBody>
-      </p:sp>
-      <p:sp>
-        <p:nvSpPr>
-          <p:cNvPr id="3" name="Content Placeholder 2"/>
-          <p:cNvSpPr>
-            <a:spLocks noGrp="1"/>
-          </p:cNvSpPr>
+            <a:pPr algn="ctr"/>
+            <a:r>
+              <a:rPr lang="en-US" b="1" dirty="0" smtClean="0"/>
+              <a:t>Thanks</a:t>
+            </a:r>
+            <a:endParaRPr lang="en-US" b="1" dirty="0"/>
+          </a:p>
+        </p:txBody>
+      </p:sp>
+      <p:pic>
+        <p:nvPicPr>
+          <p:cNvPr id="4" name="Content Placeholder 3"/>
+          <p:cNvPicPr>
+            <a:picLocks noGrp="1" noChangeAspect="1"/>
+          </p:cNvPicPr>
           <p:nvPr>
             <p:ph idx="1"/>
           </p:nvPr>
-        </p:nvSpPr>
-        <p:spPr/>
-        <p:txBody>
-          <a:bodyPr/>
-          <a:lstStyle/>
-          <a:p>
-            <a:endParaRPr lang="en-US"/>
-          </a:p>
-        </p:txBody>
-      </p:sp>
+        </p:nvPicPr>
+        <p:blipFill>
+          <a:blip r:embed="rId2" cstate="print">
+            <a:extLst>
+              <a:ext uri="{28A0092B-C50C-407E-A947-70E740481C1C}">
+                <a14:useLocalDpi xmlns:a14="http://schemas.microsoft.com/office/drawing/2010/main" val="0"/>
+              </a:ext>
+            </a:extLst>
+          </a:blip>
+          <a:stretch>
+            <a:fillRect/>
+          </a:stretch>
+        </p:blipFill>
+        <p:spPr>
+          <a:xfrm>
+            <a:off x="4246323" y="2593975"/>
+            <a:ext cx="4108537" cy="2857500"/>
+          </a:xfrm>
+        </p:spPr>
+      </p:pic>
     </p:spTree>
     <p:extLst>
       <p:ext uri="{BB962C8B-B14F-4D97-AF65-F5344CB8AC3E}">
-        <p14:creationId xmlns:p14="http://schemas.microsoft.com/office/powerpoint/2010/main" val="978202197"/>
-      </p:ext>
-    </p:extLst>
-  </p:cSld>
-  <p:clrMapOvr>
-    <a:masterClrMapping/>
-  </p:clrMapOvr>
-</p:sld>
-</file>
-
-<file path=ppt/slides/slide9.xml><?xml version="1.0" encoding="utf-8"?>
-<p:sld xmlns:a="http://schemas.openxmlformats.org/drawingml/2006/main" xmlns:r="http://schemas.openxmlformats.org/officeDocument/2006/relationships" xmlns:p="http://schemas.openxmlformats.org/presentationml/2006/main">
-  <p:cSld>
-    <p:spTree>
-      <p:nvGrpSpPr>
-        <p:cNvPr id="1" name=""/>
-        <p:cNvGrpSpPr/>
-        <p:nvPr/>
-      </p:nvGrpSpPr>
-      <p:grpSpPr>
-        <a:xfrm>
-          <a:off x="0" y="0"/>
-          <a:ext cx="0" cy="0"/>
-          <a:chOff x="0" y="0"/>
-          <a:chExt cx="0" cy="0"/>
-        </a:xfrm>
-      </p:grpSpPr>
-      <p:sp>
-        <p:nvSpPr>
-          <p:cNvPr id="2" name="Title 1"/>
-          <p:cNvSpPr>
-            <a:spLocks noGrp="1"/>
-          </p:cNvSpPr>
-          <p:nvPr>
-            <p:ph type="title"/>
-          </p:nvPr>
-        </p:nvSpPr>
-        <p:spPr/>
-        <p:txBody>
-          <a:bodyPr/>
-          <a:lstStyle/>
-          <a:p>
-            <a:r>
-              <a:rPr lang="en-US" dirty="0" smtClean="0"/>
-              <a:t>Futures </a:t>
-            </a:r>
-            <a:endParaRPr lang="en-US" dirty="0"/>
-          </a:p>
-        </p:txBody>
-      </p:sp>
-      <p:sp>
-        <p:nvSpPr>
-          <p:cNvPr id="3" name="Content Placeholder 2"/>
-          <p:cNvSpPr>
-            <a:spLocks noGrp="1"/>
-          </p:cNvSpPr>
-          <p:nvPr>
-            <p:ph idx="1"/>
-          </p:nvPr>
-        </p:nvSpPr>
-        <p:spPr/>
-        <p:txBody>
-          <a:bodyPr/>
-          <a:lstStyle/>
-          <a:p>
-            <a:r>
-              <a:rPr lang="en-US" sz="2000" b="1" dirty="0" smtClean="0"/>
-              <a:t>Clock Time for Employee</a:t>
-            </a:r>
-          </a:p>
-          <a:p>
-            <a:r>
-              <a:rPr lang="en-US" sz="2000" b="1" dirty="0" smtClean="0"/>
-              <a:t>Table Management</a:t>
-            </a:r>
-          </a:p>
-          <a:p>
-            <a:r>
-              <a:rPr lang="en-US" b="1" dirty="0" smtClean="0"/>
-              <a:t>Add seat number in Order(so we can split bill by </a:t>
-            </a:r>
-            <a:r>
-              <a:rPr lang="en-US" b="1" dirty="0" err="1" smtClean="0"/>
-              <a:t>saatnumber</a:t>
-            </a:r>
-            <a:r>
-              <a:rPr lang="en-US" b="1" dirty="0" smtClean="0"/>
-              <a:t>)</a:t>
-            </a:r>
-          </a:p>
-          <a:p>
-            <a:pPr>
-              <a:buNone/>
-            </a:pPr>
-            <a:endParaRPr lang="en-US" dirty="0" smtClean="0"/>
-          </a:p>
-          <a:p>
-            <a:endParaRPr lang="en-US" dirty="0" smtClean="0"/>
-          </a:p>
-          <a:p>
-            <a:endParaRPr lang="en-US" dirty="0"/>
-          </a:p>
-        </p:txBody>
-      </p:sp>
-    </p:spTree>
-    <p:extLst>
-      <p:ext uri="{BB962C8B-B14F-4D97-AF65-F5344CB8AC3E}">
-        <p14:creationId xmlns:p14="http://schemas.microsoft.com/office/powerpoint/2010/main" val="272585998"/>
+        <p14:creationId xmlns:p14="http://schemas.microsoft.com/office/powerpoint/2010/main" val="2784108446"/>
       </p:ext>
     </p:extLst>
   </p:cSld>

--- a/PHP-Presentation.pptx
+++ b/PHP-Presentation.pptx
@@ -319,7 +319,7 @@
             <a:fld id="{930D3CF7-49A3-40F1-BD80-236EF29BEA74}" type="datetimeFigureOut">
               <a:rPr lang="en-US" smtClean="0"/>
               <a:pPr/>
-              <a:t>11/18/2017</a:t>
+              <a:t>11/19/2017</a:t>
             </a:fld>
             <a:endParaRPr lang="en-US"/>
           </a:p>
@@ -659,7 +659,7 @@
             <a:fld id="{930D3CF7-49A3-40F1-BD80-236EF29BEA74}" type="datetimeFigureOut">
               <a:rPr lang="en-US" smtClean="0"/>
               <a:pPr/>
-              <a:t>11/18/2017</a:t>
+              <a:t>11/19/2017</a:t>
             </a:fld>
             <a:endParaRPr lang="en-US"/>
           </a:p>
@@ -1062,7 +1062,7 @@
             <a:fld id="{930D3CF7-49A3-40F1-BD80-236EF29BEA74}" type="datetimeFigureOut">
               <a:rPr lang="en-US" smtClean="0"/>
               <a:pPr/>
-              <a:t>11/18/2017</a:t>
+              <a:t>11/19/2017</a:t>
             </a:fld>
             <a:endParaRPr lang="en-US"/>
           </a:p>
@@ -1400,7 +1400,7 @@
             <a:fld id="{930D3CF7-49A3-40F1-BD80-236EF29BEA74}" type="datetimeFigureOut">
               <a:rPr lang="en-US" smtClean="0"/>
               <a:pPr/>
-              <a:t>11/18/2017</a:t>
+              <a:t>11/19/2017</a:t>
             </a:fld>
             <a:endParaRPr lang="en-US"/>
           </a:p>
@@ -1722,7 +1722,7 @@
             <a:fld id="{930D3CF7-49A3-40F1-BD80-236EF29BEA74}" type="datetimeFigureOut">
               <a:rPr lang="en-US" smtClean="0"/>
               <a:pPr/>
-              <a:t>11/18/2017</a:t>
+              <a:t>11/19/2017</a:t>
             </a:fld>
             <a:endParaRPr lang="en-US"/>
           </a:p>
@@ -2120,7 +2120,7 @@
             <a:fld id="{930D3CF7-49A3-40F1-BD80-236EF29BEA74}" type="datetimeFigureOut">
               <a:rPr lang="en-US" smtClean="0"/>
               <a:pPr/>
-              <a:t>11/18/2017</a:t>
+              <a:t>11/19/2017</a:t>
             </a:fld>
             <a:endParaRPr lang="en-US"/>
           </a:p>
@@ -2379,7 +2379,7 @@
             <a:fld id="{930D3CF7-49A3-40F1-BD80-236EF29BEA74}" type="datetimeFigureOut">
               <a:rPr lang="en-US" smtClean="0"/>
               <a:pPr/>
-              <a:t>11/18/2017</a:t>
+              <a:t>11/19/2017</a:t>
             </a:fld>
             <a:endParaRPr lang="en-US"/>
           </a:p>
@@ -2643,7 +2643,7 @@
             <a:fld id="{930D3CF7-49A3-40F1-BD80-236EF29BEA74}" type="datetimeFigureOut">
               <a:rPr lang="en-US" smtClean="0"/>
               <a:pPr/>
-              <a:t>11/18/2017</a:t>
+              <a:t>11/19/2017</a:t>
             </a:fld>
             <a:endParaRPr lang="en-US"/>
           </a:p>
@@ -2907,7 +2907,7 @@
             <a:fld id="{930D3CF7-49A3-40F1-BD80-236EF29BEA74}" type="datetimeFigureOut">
               <a:rPr lang="en-US" smtClean="0"/>
               <a:pPr/>
-              <a:t>11/18/2017</a:t>
+              <a:t>11/19/2017</a:t>
             </a:fld>
             <a:endParaRPr lang="en-US"/>
           </a:p>
@@ -3238,7 +3238,7 @@
             <a:fld id="{930D3CF7-49A3-40F1-BD80-236EF29BEA74}" type="datetimeFigureOut">
               <a:rPr lang="en-US" smtClean="0"/>
               <a:pPr/>
-              <a:t>11/18/2017</a:t>
+              <a:t>11/19/2017</a:t>
             </a:fld>
             <a:endParaRPr lang="en-US"/>
           </a:p>
@@ -3563,7 +3563,7 @@
             <a:fld id="{930D3CF7-49A3-40F1-BD80-236EF29BEA74}" type="datetimeFigureOut">
               <a:rPr lang="en-US" smtClean="0"/>
               <a:pPr/>
-              <a:t>11/18/2017</a:t>
+              <a:t>11/19/2017</a:t>
             </a:fld>
             <a:endParaRPr lang="en-US"/>
           </a:p>
@@ -4022,7 +4022,7 @@
             <a:fld id="{930D3CF7-49A3-40F1-BD80-236EF29BEA74}" type="datetimeFigureOut">
               <a:rPr lang="en-US" smtClean="0"/>
               <a:pPr/>
-              <a:t>11/18/2017</a:t>
+              <a:t>11/19/2017</a:t>
             </a:fld>
             <a:endParaRPr lang="en-US"/>
           </a:p>
@@ -4229,7 +4229,7 @@
             <a:fld id="{930D3CF7-49A3-40F1-BD80-236EF29BEA74}" type="datetimeFigureOut">
               <a:rPr lang="en-US" smtClean="0"/>
               <a:pPr/>
-              <a:t>11/18/2017</a:t>
+              <a:t>11/19/2017</a:t>
             </a:fld>
             <a:endParaRPr lang="en-US"/>
           </a:p>
@@ -4408,7 +4408,7 @@
             <a:fld id="{930D3CF7-49A3-40F1-BD80-236EF29BEA74}" type="datetimeFigureOut">
               <a:rPr lang="en-US" smtClean="0"/>
               <a:pPr/>
-              <a:t>11/18/2017</a:t>
+              <a:t>11/19/2017</a:t>
             </a:fld>
             <a:endParaRPr lang="en-US"/>
           </a:p>
@@ -4743,7 +4743,7 @@
             <a:fld id="{930D3CF7-49A3-40F1-BD80-236EF29BEA74}" type="datetimeFigureOut">
               <a:rPr lang="en-US" smtClean="0"/>
               <a:pPr/>
-              <a:t>11/18/2017</a:t>
+              <a:t>11/19/2017</a:t>
             </a:fld>
             <a:endParaRPr lang="en-US"/>
           </a:p>
@@ -5090,7 +5090,7 @@
             <a:fld id="{930D3CF7-49A3-40F1-BD80-236EF29BEA74}" type="datetimeFigureOut">
               <a:rPr lang="en-US" smtClean="0"/>
               <a:pPr/>
-              <a:t>11/18/2017</a:t>
+              <a:t>11/19/2017</a:t>
             </a:fld>
             <a:endParaRPr lang="en-US"/>
           </a:p>
@@ -7209,7 +7209,7 @@
             <a:fld id="{930D3CF7-49A3-40F1-BD80-236EF29BEA74}" type="datetimeFigureOut">
               <a:rPr lang="en-US" smtClean="0"/>
               <a:pPr/>
-              <a:t>11/18/2017</a:t>
+              <a:t>11/19/2017</a:t>
             </a:fld>
             <a:endParaRPr lang="en-US"/>
           </a:p>
@@ -8209,8 +8209,8 @@
         </p:blipFill>
         <p:spPr>
           <a:xfrm>
-            <a:off x="2113587" y="1524000"/>
-            <a:ext cx="8522881" cy="5133811"/>
+            <a:off x="2061034" y="1639614"/>
+            <a:ext cx="9721062" cy="5855543"/>
           </a:xfrm>
           <a:prstGeom prst="rect">
             <a:avLst/>
@@ -8553,21 +8553,18 @@
               <a:rPr lang="en-US" sz="2000" b="1" dirty="0" smtClean="0"/>
               <a:t>Delete in share list</a:t>
             </a:r>
-            <a:endParaRPr lang="en-US" sz="2000" b="1" dirty="0" smtClean="0"/>
           </a:p>
           <a:p>
             <a:r>
               <a:rPr lang="en-US" sz="2000" b="1" dirty="0" smtClean="0"/>
               <a:t>Add some error checking in some parts</a:t>
             </a:r>
-            <a:endParaRPr lang="en-US" sz="2000" b="1" dirty="0" smtClean="0"/>
           </a:p>
           <a:p>
             <a:r>
               <a:rPr lang="en-US" b="1" dirty="0" smtClean="0"/>
               <a:t>Add log in face book</a:t>
             </a:r>
-            <a:endParaRPr lang="en-US" b="1" dirty="0" smtClean="0"/>
           </a:p>
           <a:p>
             <a:pPr>

--- a/PHP-Presentation.pptx
+++ b/PHP-Presentation.pptx
@@ -7,9 +7,9 @@
   <p:sldIdLst>
     <p:sldId id="256" r:id="rId2"/>
     <p:sldId id="257" r:id="rId3"/>
-    <p:sldId id="266" r:id="rId4"/>
-    <p:sldId id="259" r:id="rId5"/>
-    <p:sldId id="260" r:id="rId6"/>
+    <p:sldId id="259" r:id="rId4"/>
+    <p:sldId id="260" r:id="rId5"/>
+    <p:sldId id="266" r:id="rId6"/>
     <p:sldId id="261" r:id="rId7"/>
     <p:sldId id="264" r:id="rId8"/>
     <p:sldId id="265" r:id="rId9"/>
@@ -7763,7 +7763,11 @@
             </a:br>
             <a:r>
               <a:rPr lang="en-US" b="1" dirty="0" smtClean="0"/>
-              <a:t>Storage Data</a:t>
+              <a:t>Storage </a:t>
+            </a:r>
+            <a:r>
+              <a:rPr lang="en-US" b="1" dirty="0" smtClean="0"/>
+              <a:t>Space</a:t>
             </a:r>
             <a:endParaRPr lang="en-US" dirty="0"/>
           </a:p>
@@ -7974,7 +7978,7 @@
           <a:p>
             <a:r>
               <a:rPr lang="en-US" b="1" dirty="0" smtClean="0"/>
-              <a:t>Storage Data</a:t>
+              <a:t>Solution</a:t>
             </a:r>
             <a:endParaRPr lang="en-US" dirty="0"/>
           </a:p>
@@ -7992,68 +7996,210 @@
         </p:nvSpPr>
         <p:spPr/>
         <p:txBody>
-          <a:bodyPr/>
+          <a:bodyPr>
+            <a:normAutofit fontScale="92500" lnSpcReduction="20000"/>
+          </a:bodyPr>
           <a:lstStyle/>
           <a:p>
             <a:r>
-              <a:rPr lang="en-US" sz="2000" b="1" dirty="0" smtClean="0"/>
-              <a:t>Servers: </a:t>
-            </a:r>
-            <a:r>
-              <a:rPr lang="en-US" dirty="0" smtClean="0"/>
-              <a:t>order management and </a:t>
-            </a:r>
-            <a:r>
-              <a:rPr lang="en-US" dirty="0"/>
-              <a:t>table management.  They are able to send an order to kitchen quickly and que to start next service and also take reservations and view available tables. For payment, they can split checks. </a:t>
-            </a:r>
-          </a:p>
-          <a:p>
-            <a:r>
-              <a:rPr lang="en-US" sz="2000" b="1" dirty="0" smtClean="0"/>
-              <a:t>Managers</a:t>
-            </a:r>
-            <a:r>
-              <a:rPr lang="en-US" dirty="0" smtClean="0"/>
-              <a:t> : Edit </a:t>
-            </a:r>
-            <a:r>
-              <a:rPr lang="en-US" dirty="0"/>
-              <a:t>menu items, access payroll information, time clocks, and business </a:t>
-            </a:r>
-            <a:r>
-              <a:rPr lang="en-US" dirty="0" smtClean="0"/>
-              <a:t>reports</a:t>
-            </a:r>
-            <a:r>
-              <a:rPr lang="en-US" dirty="0"/>
-              <a:t>. Detailed sales reports in this system can help provide management with insight into which items are selling the </a:t>
-            </a:r>
-            <a:r>
-              <a:rPr lang="en-US" dirty="0" smtClean="0"/>
-              <a:t>best</a:t>
-            </a:r>
-            <a:r>
-              <a:rPr lang="en-US" dirty="0"/>
-              <a:t>.  </a:t>
-            </a:r>
-            <a:endParaRPr lang="en-US" dirty="0" smtClean="0"/>
-          </a:p>
-          <a:p>
-            <a:r>
-              <a:rPr lang="en-US" sz="2000" b="1" dirty="0" smtClean="0"/>
-              <a:t>Kitchen</a:t>
-            </a:r>
-            <a:r>
-              <a:rPr lang="en-US" dirty="0" smtClean="0"/>
-              <a:t>, receive order from servers</a:t>
+              <a:rPr lang="en-US" b="1" dirty="0" smtClean="0">
+                <a:solidFill>
+                  <a:schemeClr val="tx1"/>
+                </a:solidFill>
+              </a:rPr>
+              <a:t>This Storage provides upload ,add, modify, delete Files for users.</a:t>
+            </a:r>
+          </a:p>
+          <a:p>
+            <a:r>
+              <a:rPr lang="en-US" b="1" dirty="0" smtClean="0">
+                <a:solidFill>
+                  <a:schemeClr val="tx1"/>
+                </a:solidFill>
+              </a:rPr>
+              <a:t>Users can share Files with </a:t>
+            </a:r>
+            <a:r>
+              <a:rPr lang="en-CA" b="1" dirty="0" smtClean="0">
+                <a:solidFill>
+                  <a:schemeClr val="tx1"/>
+                </a:solidFill>
+              </a:rPr>
+              <a:t>others.</a:t>
+            </a:r>
+          </a:p>
+          <a:p>
+            <a:r>
+              <a:rPr lang="en-CA" b="1" dirty="0" smtClean="0">
+                <a:solidFill>
+                  <a:schemeClr val="tx1"/>
+                </a:solidFill>
+              </a:rPr>
+              <a:t>Users can see their files and list of share’s file with them.</a:t>
             </a:r>
           </a:p>
           <a:p>
             <a:pPr marL="0" indent="0">
               <a:buNone/>
             </a:pPr>
-            <a:endParaRPr lang="en-US" dirty="0" smtClean="0"/>
+            <a:endParaRPr lang="en-CA" dirty="0">
+              <a:solidFill>
+                <a:schemeClr val="tx1"/>
+              </a:solidFill>
+            </a:endParaRPr>
+          </a:p>
+          <a:p>
+            <a:pPr marL="0" indent="0">
+              <a:buNone/>
+            </a:pPr>
+            <a:r>
+              <a:rPr lang="en-US" b="1" dirty="0" smtClean="0">
+                <a:solidFill>
+                  <a:schemeClr val="tx1"/>
+                </a:solidFill>
+              </a:rPr>
+              <a:t>Objectives</a:t>
+            </a:r>
+            <a:r>
+              <a:rPr lang="en-US" b="1" dirty="0">
+                <a:solidFill>
+                  <a:schemeClr val="tx1"/>
+                </a:solidFill>
+              </a:rPr>
+              <a:t>:</a:t>
+            </a:r>
+            <a:endParaRPr lang="en-CA" dirty="0">
+              <a:solidFill>
+                <a:schemeClr val="tx1"/>
+              </a:solidFill>
+            </a:endParaRPr>
+          </a:p>
+          <a:p>
+            <a:pPr lvl="0"/>
+            <a:r>
+              <a:rPr lang="en-US" b="1" dirty="0" smtClean="0">
+                <a:solidFill>
+                  <a:schemeClr val="tx1"/>
+                </a:solidFill>
+              </a:rPr>
+              <a:t>To </a:t>
+            </a:r>
+            <a:r>
+              <a:rPr lang="en-US" b="1" dirty="0">
+                <a:solidFill>
+                  <a:schemeClr val="tx1"/>
+                </a:solidFill>
+              </a:rPr>
+              <a:t>improve </a:t>
+            </a:r>
+            <a:r>
+              <a:rPr lang="en-US" b="1" dirty="0" smtClean="0">
+                <a:solidFill>
+                  <a:schemeClr val="tx1"/>
+                </a:solidFill>
+              </a:rPr>
+              <a:t>Storage </a:t>
+            </a:r>
+            <a:r>
+              <a:rPr lang="en-US" b="1" dirty="0">
+                <a:solidFill>
+                  <a:schemeClr val="tx1"/>
+                </a:solidFill>
+              </a:rPr>
+              <a:t>based file </a:t>
+            </a:r>
+            <a:r>
+              <a:rPr lang="en-US" b="1" dirty="0" smtClean="0">
+                <a:solidFill>
+                  <a:schemeClr val="tx1"/>
+                </a:solidFill>
+              </a:rPr>
+              <a:t>management</a:t>
+            </a:r>
+          </a:p>
+          <a:p>
+            <a:pPr lvl="0">
+              <a:buFont typeface="Courier New" panose="02070309020205020404" pitchFamily="49" charset="0"/>
+              <a:buChar char="o"/>
+            </a:pPr>
+            <a:r>
+              <a:rPr lang="en-US" b="1" dirty="0" smtClean="0">
+                <a:solidFill>
+                  <a:schemeClr val="tx1"/>
+                </a:solidFill>
+              </a:rPr>
+              <a:t>Add/Edit/Delete/Modify</a:t>
+            </a:r>
+          </a:p>
+          <a:p>
+            <a:r>
+              <a:rPr lang="en-US" b="1" dirty="0">
+                <a:solidFill>
+                  <a:schemeClr val="tx1"/>
+                </a:solidFill>
+              </a:rPr>
+              <a:t>To provide Storage based File security.</a:t>
+            </a:r>
+            <a:endParaRPr lang="en-CA" dirty="0">
+              <a:solidFill>
+                <a:schemeClr val="tx1"/>
+              </a:solidFill>
+            </a:endParaRPr>
+          </a:p>
+          <a:p>
+            <a:pPr lvl="0">
+              <a:buFont typeface="Courier New" panose="02070309020205020404" pitchFamily="49" charset="0"/>
+              <a:buChar char="o"/>
+            </a:pPr>
+            <a:r>
+              <a:rPr lang="en-CA" dirty="0"/>
+              <a:t> </a:t>
+            </a:r>
+            <a:r>
+              <a:rPr lang="en-CA" dirty="0" smtClean="0"/>
+              <a:t> </a:t>
+            </a:r>
+            <a:r>
+              <a:rPr lang="en-CA" b="1" dirty="0" smtClean="0">
+                <a:solidFill>
+                  <a:schemeClr val="tx1"/>
+                </a:solidFill>
+              </a:rPr>
+              <a:t>give a secret name to each file</a:t>
+            </a:r>
+          </a:p>
+          <a:p>
+            <a:pPr lvl="0">
+              <a:buFont typeface="Courier New" panose="02070309020205020404" pitchFamily="49" charset="0"/>
+              <a:buChar char="o"/>
+            </a:pPr>
+            <a:r>
+              <a:rPr lang="en-CA" b="1" dirty="0" smtClean="0">
+                <a:solidFill>
+                  <a:schemeClr val="tx1"/>
+                </a:solidFill>
+              </a:rPr>
+              <a:t>  prevent to duplicate upload</a:t>
+            </a:r>
+          </a:p>
+          <a:p>
+            <a:pPr lvl="0">
+              <a:buFont typeface="Courier New" panose="02070309020205020404" pitchFamily="49" charset="0"/>
+              <a:buChar char="o"/>
+            </a:pPr>
+            <a:r>
+              <a:rPr lang="en-CA" b="1" dirty="0" smtClean="0">
+                <a:solidFill>
+                  <a:schemeClr val="tx1"/>
+                </a:solidFill>
+              </a:rPr>
+              <a:t>  Prevent to duplicate share file</a:t>
+            </a:r>
+            <a:endParaRPr lang="en-US" b="1" dirty="0" smtClean="0">
+              <a:solidFill>
+                <a:schemeClr val="tx1"/>
+              </a:solidFill>
+            </a:endParaRPr>
           </a:p>
           <a:p>
             <a:pPr>
@@ -8106,7 +8252,7 @@
         <p:spPr>
           <a:xfrm>
             <a:off x="2592925" y="624110"/>
-            <a:ext cx="8911687" cy="905432"/>
+            <a:ext cx="7234247" cy="1120607"/>
           </a:xfrm>
         </p:spPr>
         <p:txBody>
@@ -8114,33 +8260,43 @@
           <a:lstStyle/>
           <a:p>
             <a:r>
-              <a:rPr lang="en-US" b="1" dirty="0" smtClean="0"/>
-              <a:t>Our solution</a:t>
-            </a:r>
-            <a:endParaRPr lang="en-US" b="1" dirty="0"/>
-          </a:p>
-        </p:txBody>
-      </p:sp>
-      <p:sp>
-        <p:nvSpPr>
-          <p:cNvPr id="3" name="Content Placeholder 2"/>
-          <p:cNvSpPr>
-            <a:spLocks noGrp="1"/>
-          </p:cNvSpPr>
-          <p:nvPr>
-            <p:ph idx="1"/>
-          </p:nvPr>
-        </p:nvSpPr>
-        <p:spPr/>
-        <p:txBody>
-          <a:bodyPr/>
-          <a:lstStyle/>
-          <a:p>
-            <a:endParaRPr lang="en-CA" dirty="0"/>
-          </a:p>
-        </p:txBody>
-      </p:sp>
+              <a:rPr lang="en-US" dirty="0" smtClean="0"/>
+              <a:t>Database</a:t>
+            </a:r>
+            <a:endParaRPr lang="en-US" dirty="0"/>
+          </a:p>
+        </p:txBody>
+      </p:sp>
+      <p:pic>
+        <p:nvPicPr>
+          <p:cNvPr id="5" name="Picture 4"/>
+          <p:cNvPicPr>
+            <a:picLocks noChangeAspect="1"/>
+          </p:cNvPicPr>
+          <p:nvPr/>
+        </p:nvPicPr>
+        <p:blipFill>
+          <a:blip r:embed="rId2"/>
+          <a:stretch>
+            <a:fillRect/>
+          </a:stretch>
+        </p:blipFill>
+        <p:spPr>
+          <a:xfrm>
+            <a:off x="2362200" y="1744717"/>
+            <a:ext cx="8804910" cy="5113283"/>
+          </a:xfrm>
+          <a:prstGeom prst="rect">
+            <a:avLst/>
+          </a:prstGeom>
+        </p:spPr>
+      </p:pic>
     </p:spTree>
+    <p:extLst>
+      <p:ext uri="{BB962C8B-B14F-4D97-AF65-F5344CB8AC3E}">
+        <p14:creationId xmlns:p14="http://schemas.microsoft.com/office/powerpoint/2010/main" val="3301468455"/>
+      </p:ext>
+    </p:extLst>
   </p:cSld>
   <p:clrMapOvr>
     <a:masterClrMapping/>
@@ -8177,17 +8333,19 @@
         </p:nvSpPr>
         <p:spPr>
           <a:xfrm>
-            <a:off x="2592925" y="624110"/>
-            <a:ext cx="7234247" cy="1120607"/>
+            <a:off x="427795" y="124811"/>
+            <a:ext cx="2840922" cy="742235"/>
           </a:xfrm>
         </p:spPr>
         <p:txBody>
-          <a:bodyPr/>
+          <a:bodyPr>
+            <a:normAutofit/>
+          </a:bodyPr>
           <a:lstStyle/>
           <a:p>
             <a:r>
               <a:rPr lang="en-US" dirty="0" smtClean="0"/>
-              <a:t>Database</a:t>
+              <a:t>Challenges</a:t>
             </a:r>
             <a:endParaRPr lang="en-US" dirty="0"/>
           </a:p>
@@ -8195,7 +8353,7 @@
       </p:sp>
       <p:pic>
         <p:nvPicPr>
-          <p:cNvPr id="3" name="Picture 2"/>
+          <p:cNvPr id="4" name="Picture 3"/>
           <p:cNvPicPr>
             <a:picLocks noChangeAspect="1"/>
           </p:cNvPicPr>
@@ -8209,8 +8367,56 @@
         </p:blipFill>
         <p:spPr>
           <a:xfrm>
-            <a:off x="2061034" y="1639614"/>
-            <a:ext cx="9721062" cy="5855543"/>
+            <a:off x="4868854" y="867046"/>
+            <a:ext cx="7599932" cy="3165157"/>
+          </a:xfrm>
+          <a:prstGeom prst="rect">
+            <a:avLst/>
+          </a:prstGeom>
+        </p:spPr>
+      </p:pic>
+      <p:pic>
+        <p:nvPicPr>
+          <p:cNvPr id="10" name="Picture 9"/>
+          <p:cNvPicPr>
+            <a:picLocks noChangeAspect="1"/>
+          </p:cNvPicPr>
+          <p:nvPr/>
+        </p:nvPicPr>
+        <p:blipFill>
+          <a:blip r:embed="rId3"/>
+          <a:stretch>
+            <a:fillRect/>
+          </a:stretch>
+        </p:blipFill>
+        <p:spPr>
+          <a:xfrm>
+            <a:off x="151009" y="867047"/>
+            <a:ext cx="4441059" cy="1927668"/>
+          </a:xfrm>
+          <a:prstGeom prst="rect">
+            <a:avLst/>
+          </a:prstGeom>
+        </p:spPr>
+      </p:pic>
+      <p:pic>
+        <p:nvPicPr>
+          <p:cNvPr id="8" name="Picture 7"/>
+          <p:cNvPicPr>
+            <a:picLocks noChangeAspect="1"/>
+          </p:cNvPicPr>
+          <p:nvPr/>
+        </p:nvPicPr>
+        <p:blipFill>
+          <a:blip r:embed="rId4"/>
+          <a:stretch>
+            <a:fillRect/>
+          </a:stretch>
+        </p:blipFill>
+        <p:spPr>
+          <a:xfrm>
+            <a:off x="648718" y="3252787"/>
+            <a:ext cx="3943350" cy="2563813"/>
           </a:xfrm>
           <a:prstGeom prst="rect">
             <a:avLst/>
@@ -8220,7 +8426,7 @@
     </p:spTree>
     <p:extLst>
       <p:ext uri="{BB962C8B-B14F-4D97-AF65-F5344CB8AC3E}">
-        <p14:creationId xmlns:p14="http://schemas.microsoft.com/office/powerpoint/2010/main" val="3301468455"/>
+        <p14:creationId xmlns:p14="http://schemas.microsoft.com/office/powerpoint/2010/main" val="10271161"/>
       </p:ext>
     </p:extLst>
   </p:cSld>
@@ -8259,33 +8465,31 @@
         </p:nvSpPr>
         <p:spPr>
           <a:xfrm>
-            <a:off x="427795" y="124811"/>
-            <a:ext cx="2840922" cy="742235"/>
+            <a:off x="198013" y="0"/>
+            <a:ext cx="2391199" cy="746975"/>
           </a:xfrm>
         </p:spPr>
         <p:txBody>
           <a:bodyPr>
-            <a:normAutofit/>
+            <a:normAutofit fontScale="90000"/>
           </a:bodyPr>
           <a:lstStyle/>
           <a:p>
             <a:r>
-              <a:rPr lang="en-US" dirty="0" smtClean="0"/>
-              <a:t>Challenges</a:t>
-            </a:r>
-            <a:endParaRPr lang="en-US" dirty="0"/>
+              <a:rPr lang="en-CA" dirty="0" smtClean="0"/>
+              <a:t>challenge</a:t>
+            </a:r>
+            <a:endParaRPr lang="en-CA" dirty="0"/>
           </a:p>
         </p:txBody>
       </p:sp>
       <p:pic>
         <p:nvPicPr>
-          <p:cNvPr id="5" name="Content Placeholder 4"/>
+          <p:cNvPr id="6" name="Picture 5"/>
           <p:cNvPicPr>
-            <a:picLocks noGrp="1" noChangeAspect="1"/>
+            <a:picLocks noChangeAspect="1"/>
           </p:cNvPicPr>
-          <p:nvPr>
-            <p:ph idx="1"/>
-          </p:nvPr>
+          <p:nvPr/>
         </p:nvPicPr>
         <p:blipFill>
           <a:blip r:embed="rId2"/>
@@ -8295,8 +8499,8 @@
         </p:blipFill>
         <p:spPr>
           <a:xfrm>
-            <a:off x="4555450" y="358982"/>
-            <a:ext cx="7387975" cy="3233873"/>
+            <a:off x="5479371" y="179338"/>
+            <a:ext cx="6096000" cy="2858466"/>
           </a:xfrm>
           <a:prstGeom prst="rect">
             <a:avLst/>
@@ -8305,7 +8509,7 @@
       </p:pic>
       <p:pic>
         <p:nvPicPr>
-          <p:cNvPr id="4" name="Picture 3"/>
+          <p:cNvPr id="8" name="Picture 7"/>
           <p:cNvPicPr>
             <a:picLocks noChangeAspect="1"/>
           </p:cNvPicPr>
@@ -8319,8 +8523,8 @@
         </p:blipFill>
         <p:spPr>
           <a:xfrm>
-            <a:off x="4975864" y="3752193"/>
-            <a:ext cx="6330462" cy="2669627"/>
+            <a:off x="1908220" y="1177290"/>
+            <a:ext cx="3352800" cy="1913639"/>
           </a:xfrm>
           <a:prstGeom prst="rect">
             <a:avLst/>
@@ -8329,7 +8533,7 @@
       </p:pic>
       <p:pic>
         <p:nvPicPr>
-          <p:cNvPr id="10" name="Picture 9"/>
+          <p:cNvPr id="9" name="Picture 8"/>
           <p:cNvPicPr>
             <a:picLocks noChangeAspect="1"/>
           </p:cNvPicPr>
@@ -8343,8 +8547,56 @@
         </p:blipFill>
         <p:spPr>
           <a:xfrm>
-            <a:off x="202525" y="867045"/>
-            <a:ext cx="4400893" cy="1928707"/>
+            <a:off x="5078140" y="3361386"/>
+            <a:ext cx="7185660" cy="3355195"/>
+          </a:xfrm>
+          <a:prstGeom prst="rect">
+            <a:avLst/>
+          </a:prstGeom>
+        </p:spPr>
+      </p:pic>
+      <p:pic>
+        <p:nvPicPr>
+          <p:cNvPr id="11" name="Picture 10"/>
+          <p:cNvPicPr>
+            <a:picLocks noChangeAspect="1"/>
+          </p:cNvPicPr>
+          <p:nvPr/>
+        </p:nvPicPr>
+        <p:blipFill>
+          <a:blip r:embed="rId5"/>
+          <a:stretch>
+            <a:fillRect/>
+          </a:stretch>
+        </p:blipFill>
+        <p:spPr>
+          <a:xfrm>
+            <a:off x="960120" y="3452778"/>
+            <a:ext cx="3942944" cy="1902374"/>
+          </a:xfrm>
+          <a:prstGeom prst="rect">
+            <a:avLst/>
+          </a:prstGeom>
+        </p:spPr>
+      </p:pic>
+      <p:pic>
+        <p:nvPicPr>
+          <p:cNvPr id="17" name="Picture 16"/>
+          <p:cNvPicPr>
+            <a:picLocks noChangeAspect="1"/>
+          </p:cNvPicPr>
+          <p:nvPr/>
+        </p:nvPicPr>
+        <p:blipFill>
+          <a:blip r:embed="rId6"/>
+          <a:stretch>
+            <a:fillRect/>
+          </a:stretch>
+        </p:blipFill>
+        <p:spPr>
+          <a:xfrm>
+            <a:off x="1520191" y="463947"/>
+            <a:ext cx="3959180" cy="600075"/>
           </a:xfrm>
           <a:prstGeom prst="rect">
             <a:avLst/>
@@ -8354,7 +8606,7 @@
     </p:spTree>
     <p:extLst>
       <p:ext uri="{BB962C8B-B14F-4D97-AF65-F5344CB8AC3E}">
-        <p14:creationId xmlns:p14="http://schemas.microsoft.com/office/powerpoint/2010/main" val="10271161"/>
+        <p14:creationId xmlns:p14="http://schemas.microsoft.com/office/powerpoint/2010/main" val="2849089998"/>
       </p:ext>
     </p:extLst>
   </p:cSld>
@@ -8411,7 +8663,7 @@
       </p:sp>
       <p:pic>
         <p:nvPicPr>
-          <p:cNvPr id="6" name="Picture 5"/>
+          <p:cNvPr id="3" name="Picture 2"/>
           <p:cNvPicPr>
             <a:picLocks noChangeAspect="1"/>
           </p:cNvPicPr>
@@ -8425,8 +8677,8 @@
         </p:blipFill>
         <p:spPr>
           <a:xfrm>
-            <a:off x="3846786" y="681037"/>
-            <a:ext cx="8345214" cy="2524618"/>
+            <a:off x="1211581" y="960120"/>
+            <a:ext cx="10374630" cy="2788920"/>
           </a:xfrm>
           <a:prstGeom prst="rect">
             <a:avLst/>
@@ -8435,7 +8687,7 @@
       </p:pic>
       <p:pic>
         <p:nvPicPr>
-          <p:cNvPr id="7" name="Picture 6"/>
+          <p:cNvPr id="4" name="Picture 3"/>
           <p:cNvPicPr>
             <a:picLocks noChangeAspect="1"/>
           </p:cNvPicPr>
@@ -8449,8 +8701,8 @@
         </p:blipFill>
         <p:spPr>
           <a:xfrm>
-            <a:off x="3720333" y="3205655"/>
-            <a:ext cx="8324850" cy="3562350"/>
+            <a:off x="1538287" y="3749040"/>
+            <a:ext cx="4086225" cy="3108960"/>
           </a:xfrm>
           <a:prstGeom prst="rect">
             <a:avLst/>
@@ -8459,7 +8711,7 @@
       </p:pic>
       <p:pic>
         <p:nvPicPr>
-          <p:cNvPr id="8" name="Picture 7"/>
+          <p:cNvPr id="5" name="Picture 4"/>
           <p:cNvPicPr>
             <a:picLocks noChangeAspect="1"/>
           </p:cNvPicPr>
@@ -8473,8 +8725,8 @@
         </p:blipFill>
         <p:spPr>
           <a:xfrm>
-            <a:off x="672662" y="986823"/>
-            <a:ext cx="3426043" cy="5645205"/>
+            <a:off x="5768338" y="4514850"/>
+            <a:ext cx="3707132" cy="2434590"/>
           </a:xfrm>
           <a:prstGeom prst="rect">
             <a:avLst/>
@@ -8563,8 +8815,9 @@
           <a:p>
             <a:r>
               <a:rPr lang="en-US" b="1" dirty="0" smtClean="0"/>
-              <a:t>Add log in face book</a:t>
-            </a:r>
+              <a:t>Add Rename a file in Edit </a:t>
+            </a:r>
+            <a:endParaRPr lang="en-US" b="1" dirty="0" smtClean="0"/>
           </a:p>
           <a:p>
             <a:pPr>
@@ -8636,7 +8889,7 @@
       </p:sp>
       <p:pic>
         <p:nvPicPr>
-          <p:cNvPr id="4" name="Content Placeholder 3"/>
+          <p:cNvPr id="5" name="Content Placeholder 4"/>
           <p:cNvPicPr>
             <a:picLocks noGrp="1" noChangeAspect="1"/>
           </p:cNvPicPr>
@@ -8645,7 +8898,7 @@
           </p:nvPr>
         </p:nvPicPr>
         <p:blipFill>
-          <a:blip r:embed="rId2" cstate="print">
+          <a:blip r:embed="rId2">
             <a:extLst>
               <a:ext uri="{28A0092B-C50C-407E-A947-70E740481C1C}">
                 <a14:useLocalDpi xmlns:a14="http://schemas.microsoft.com/office/drawing/2010/main" val="0"/>
@@ -8657,9 +8910,9 @@
           </a:stretch>
         </p:blipFill>
         <p:spPr>
-          <a:xfrm>
-            <a:off x="4246323" y="2593975"/>
-            <a:ext cx="4108537" cy="2857500"/>
+          <a:xfrm rot="18836004">
+            <a:off x="5495487" y="3184636"/>
+            <a:ext cx="2619375" cy="1982896"/>
           </a:xfrm>
         </p:spPr>
       </p:pic>
